--- a/asset/ppt/ch09_binary_tree.pptx
+++ b/asset/ppt/ch09_binary_tree.pptx
@@ -8,6 +8,7 @@
     <p:sldId id="259" r:id="rId2"/>
     <p:sldId id="260" r:id="rId3"/>
     <p:sldId id="257" r:id="rId4"/>
+    <p:sldId id="261" r:id="rId5"/>
   </p:sldIdLst>
   <p:sldSz cx="12192000" cy="6858000"/>
   <p:notesSz cx="6858000" cy="9144000"/>
@@ -261,7 +262,7 @@
           <a:p>
             <a:fld id="{89851C12-1240-5B46-BD94-A3C3FBB79758}" type="datetimeFigureOut">
               <a:rPr kumimoji="1" lang="zh-TW" altLang="en-US" smtClean="0"/>
-              <a:t>2026/1/31</a:t>
+              <a:t>2026/2/6</a:t>
             </a:fld>
             <a:endParaRPr kumimoji="1" lang="zh-TW" altLang="en-US"/>
           </a:p>
@@ -459,7 +460,7 @@
           <a:p>
             <a:fld id="{89851C12-1240-5B46-BD94-A3C3FBB79758}" type="datetimeFigureOut">
               <a:rPr kumimoji="1" lang="zh-TW" altLang="en-US" smtClean="0"/>
-              <a:t>2026/1/31</a:t>
+              <a:t>2026/2/6</a:t>
             </a:fld>
             <a:endParaRPr kumimoji="1" lang="zh-TW" altLang="en-US"/>
           </a:p>
@@ -667,7 +668,7 @@
           <a:p>
             <a:fld id="{89851C12-1240-5B46-BD94-A3C3FBB79758}" type="datetimeFigureOut">
               <a:rPr kumimoji="1" lang="zh-TW" altLang="en-US" smtClean="0"/>
-              <a:t>2026/1/31</a:t>
+              <a:t>2026/2/6</a:t>
             </a:fld>
             <a:endParaRPr kumimoji="1" lang="zh-TW" altLang="en-US"/>
           </a:p>
@@ -865,7 +866,7 @@
           <a:p>
             <a:fld id="{89851C12-1240-5B46-BD94-A3C3FBB79758}" type="datetimeFigureOut">
               <a:rPr kumimoji="1" lang="zh-TW" altLang="en-US" smtClean="0"/>
-              <a:t>2026/1/31</a:t>
+              <a:t>2026/2/6</a:t>
             </a:fld>
             <a:endParaRPr kumimoji="1" lang="zh-TW" altLang="en-US"/>
           </a:p>
@@ -1140,7 +1141,7 @@
           <a:p>
             <a:fld id="{89851C12-1240-5B46-BD94-A3C3FBB79758}" type="datetimeFigureOut">
               <a:rPr kumimoji="1" lang="zh-TW" altLang="en-US" smtClean="0"/>
-              <a:t>2026/1/31</a:t>
+              <a:t>2026/2/6</a:t>
             </a:fld>
             <a:endParaRPr kumimoji="1" lang="zh-TW" altLang="en-US"/>
           </a:p>
@@ -1405,7 +1406,7 @@
           <a:p>
             <a:fld id="{89851C12-1240-5B46-BD94-A3C3FBB79758}" type="datetimeFigureOut">
               <a:rPr kumimoji="1" lang="zh-TW" altLang="en-US" smtClean="0"/>
-              <a:t>2026/1/31</a:t>
+              <a:t>2026/2/6</a:t>
             </a:fld>
             <a:endParaRPr kumimoji="1" lang="zh-TW" altLang="en-US"/>
           </a:p>
@@ -1817,7 +1818,7 @@
           <a:p>
             <a:fld id="{89851C12-1240-5B46-BD94-A3C3FBB79758}" type="datetimeFigureOut">
               <a:rPr kumimoji="1" lang="zh-TW" altLang="en-US" smtClean="0"/>
-              <a:t>2026/1/31</a:t>
+              <a:t>2026/2/6</a:t>
             </a:fld>
             <a:endParaRPr kumimoji="1" lang="zh-TW" altLang="en-US"/>
           </a:p>
@@ -1958,7 +1959,7 @@
           <a:p>
             <a:fld id="{89851C12-1240-5B46-BD94-A3C3FBB79758}" type="datetimeFigureOut">
               <a:rPr kumimoji="1" lang="zh-TW" altLang="en-US" smtClean="0"/>
-              <a:t>2026/1/31</a:t>
+              <a:t>2026/2/6</a:t>
             </a:fld>
             <a:endParaRPr kumimoji="1" lang="zh-TW" altLang="en-US"/>
           </a:p>
@@ -2071,7 +2072,7 @@
           <a:p>
             <a:fld id="{89851C12-1240-5B46-BD94-A3C3FBB79758}" type="datetimeFigureOut">
               <a:rPr kumimoji="1" lang="zh-TW" altLang="en-US" smtClean="0"/>
-              <a:t>2026/1/31</a:t>
+              <a:t>2026/2/6</a:t>
             </a:fld>
             <a:endParaRPr kumimoji="1" lang="zh-TW" altLang="en-US"/>
           </a:p>
@@ -2382,7 +2383,7 @@
           <a:p>
             <a:fld id="{89851C12-1240-5B46-BD94-A3C3FBB79758}" type="datetimeFigureOut">
               <a:rPr kumimoji="1" lang="zh-TW" altLang="en-US" smtClean="0"/>
-              <a:t>2026/1/31</a:t>
+              <a:t>2026/2/6</a:t>
             </a:fld>
             <a:endParaRPr kumimoji="1" lang="zh-TW" altLang="en-US"/>
           </a:p>
@@ -2670,7 +2671,7 @@
           <a:p>
             <a:fld id="{89851C12-1240-5B46-BD94-A3C3FBB79758}" type="datetimeFigureOut">
               <a:rPr kumimoji="1" lang="zh-TW" altLang="en-US" smtClean="0"/>
-              <a:t>2026/1/31</a:t>
+              <a:t>2026/2/6</a:t>
             </a:fld>
             <a:endParaRPr kumimoji="1" lang="zh-TW" altLang="en-US"/>
           </a:p>
@@ -2911,7 +2912,7 @@
           <a:p>
             <a:fld id="{89851C12-1240-5B46-BD94-A3C3FBB79758}" type="datetimeFigureOut">
               <a:rPr kumimoji="1" lang="zh-TW" altLang="en-US" smtClean="0"/>
-              <a:t>2026/1/31</a:t>
+              <a:t>2026/2/6</a:t>
             </a:fld>
             <a:endParaRPr kumimoji="1" lang="zh-TW" altLang="en-US"/>
           </a:p>
@@ -4448,6 +4449,564 @@
     <p:extLst>
       <p:ext uri="{BB962C8B-B14F-4D97-AF65-F5344CB8AC3E}">
         <p14:creationId xmlns:p14="http://schemas.microsoft.com/office/powerpoint/2010/main" val="3588726358"/>
+      </p:ext>
+    </p:extLst>
+  </p:cSld>
+  <p:clrMapOvr>
+    <a:masterClrMapping/>
+  </p:clrMapOvr>
+</p:sld>
+</file>
+
+<file path=ppt/slides/slide4.xml><?xml version="1.0" encoding="utf-8"?>
+<p:sld xmlns:a="http://schemas.openxmlformats.org/drawingml/2006/main" xmlns:r="http://schemas.openxmlformats.org/officeDocument/2006/relationships" xmlns:p="http://schemas.openxmlformats.org/presentationml/2006/main">
+  <p:cSld>
+    <p:spTree>
+      <p:nvGrpSpPr>
+        <p:cNvPr id="1" name="">
+          <a:extLst>
+            <a:ext uri="{FF2B5EF4-FFF2-40B4-BE49-F238E27FC236}">
+              <a16:creationId xmlns:a16="http://schemas.microsoft.com/office/drawing/2014/main" id="{FDF5F87E-C38A-CA57-4D2F-2FED6B21AAD0}"/>
+            </a:ext>
+          </a:extLst>
+        </p:cNvPr>
+        <p:cNvGrpSpPr/>
+        <p:nvPr/>
+      </p:nvGrpSpPr>
+      <p:grpSpPr>
+        <a:xfrm>
+          <a:off x="0" y="0"/>
+          <a:ext cx="0" cy="0"/>
+          <a:chOff x="0" y="0"/>
+          <a:chExt cx="0" cy="0"/>
+        </a:xfrm>
+      </p:grpSpPr>
+      <p:sp>
+        <p:nvSpPr>
+          <p:cNvPr id="4" name="矩形 3">
+            <a:extLst>
+              <a:ext uri="{FF2B5EF4-FFF2-40B4-BE49-F238E27FC236}">
+                <a16:creationId xmlns:a16="http://schemas.microsoft.com/office/drawing/2014/main" id="{755FA61B-3BDC-E798-587E-7837D3516128}"/>
+              </a:ext>
+            </a:extLst>
+          </p:cNvPr>
+          <p:cNvSpPr/>
+          <p:nvPr/>
+        </p:nvSpPr>
+        <p:spPr>
+          <a:xfrm>
+            <a:off x="2336888" y="684473"/>
+            <a:ext cx="3062124" cy="1474111"/>
+          </a:xfrm>
+          <a:prstGeom prst="rect">
+            <a:avLst/>
+          </a:prstGeom>
+          <a:solidFill>
+            <a:schemeClr val="accent2">
+              <a:lumMod val="40000"/>
+              <a:lumOff val="60000"/>
+            </a:schemeClr>
+          </a:solidFill>
+        </p:spPr>
+        <p:style>
+          <a:lnRef idx="2">
+            <a:schemeClr val="accent1">
+              <a:shade val="15000"/>
+            </a:schemeClr>
+          </a:lnRef>
+          <a:fillRef idx="1">
+            <a:schemeClr val="accent1"/>
+          </a:fillRef>
+          <a:effectRef idx="0">
+            <a:schemeClr val="accent1"/>
+          </a:effectRef>
+          <a:fontRef idx="minor">
+            <a:schemeClr val="lt1"/>
+          </a:fontRef>
+        </p:style>
+        <p:txBody>
+          <a:bodyPr rtlCol="0" anchor="ctr"/>
+          <a:lstStyle/>
+          <a:p>
+            <a:pPr algn="ctr"/>
+            <a:r>
+              <a:rPr kumimoji="1" lang="en-US" altLang="zh-TW" sz="1600" b="1" dirty="0" err="1">
+                <a:solidFill>
+                  <a:schemeClr val="tx1"/>
+                </a:solidFill>
+                <a:latin typeface="Courier New" panose="02070309020205020404" pitchFamily="49" charset="0"/>
+                <a:cs typeface="Courier New" panose="02070309020205020404" pitchFamily="49" charset="0"/>
+              </a:rPr>
+              <a:t>BSTNode</a:t>
+            </a:r>
+            <a:r>
+              <a:rPr kumimoji="1" lang="en-US" altLang="zh-TW" sz="1600" b="1" dirty="0">
+                <a:solidFill>
+                  <a:schemeClr val="tx1"/>
+                </a:solidFill>
+                <a:latin typeface="Courier New" panose="02070309020205020404" pitchFamily="49" charset="0"/>
+                <a:cs typeface="Courier New" panose="02070309020205020404" pitchFamily="49" charset="0"/>
+              </a:rPr>
+              <a:t> </a:t>
+            </a:r>
+          </a:p>
+          <a:p>
+            <a:r>
+              <a:rPr kumimoji="1" lang="en-US" altLang="zh-TW" sz="1400" dirty="0">
+                <a:solidFill>
+                  <a:schemeClr val="tx1"/>
+                </a:solidFill>
+                <a:latin typeface="Courier New" panose="02070309020205020404" pitchFamily="49" charset="0"/>
+                <a:cs typeface="Courier New" panose="02070309020205020404" pitchFamily="49" charset="0"/>
+              </a:rPr>
+              <a:t>Attribute</a:t>
+            </a:r>
+          </a:p>
+          <a:p>
+            <a:pPr marL="285750" indent="-285750">
+              <a:buFontTx/>
+              <a:buChar char="-"/>
+            </a:pPr>
+            <a:r>
+              <a:rPr kumimoji="1" lang="en-US" altLang="zh-TW" sz="1400" dirty="0">
+                <a:solidFill>
+                  <a:schemeClr val="tx1"/>
+                </a:solidFill>
+                <a:latin typeface="Courier New" panose="02070309020205020404" pitchFamily="49" charset="0"/>
+                <a:cs typeface="Courier New" panose="02070309020205020404" pitchFamily="49" charset="0"/>
+              </a:rPr>
+              <a:t>data</a:t>
+            </a:r>
+          </a:p>
+          <a:p>
+            <a:pPr marL="285750" indent="-285750">
+              <a:buFontTx/>
+              <a:buChar char="-"/>
+            </a:pPr>
+            <a:r>
+              <a:rPr kumimoji="1" lang="en-US" altLang="zh-TW" sz="1400" dirty="0">
+                <a:solidFill>
+                  <a:schemeClr val="tx1"/>
+                </a:solidFill>
+                <a:latin typeface="Courier New" panose="02070309020205020404" pitchFamily="49" charset="0"/>
+                <a:cs typeface="Courier New" panose="02070309020205020404" pitchFamily="49" charset="0"/>
+              </a:rPr>
+              <a:t>left</a:t>
+            </a:r>
+          </a:p>
+          <a:p>
+            <a:pPr marL="285750" indent="-285750">
+              <a:buFontTx/>
+              <a:buChar char="-"/>
+            </a:pPr>
+            <a:r>
+              <a:rPr kumimoji="1" lang="en-US" altLang="zh-TW" sz="1400" dirty="0">
+                <a:solidFill>
+                  <a:schemeClr val="tx1"/>
+                </a:solidFill>
+                <a:latin typeface="Courier New" panose="02070309020205020404" pitchFamily="49" charset="0"/>
+                <a:cs typeface="Courier New" panose="02070309020205020404" pitchFamily="49" charset="0"/>
+              </a:rPr>
+              <a:t>right</a:t>
+            </a:r>
+            <a:endParaRPr kumimoji="1" lang="zh-TW" altLang="en-US" sz="1400" dirty="0">
+              <a:solidFill>
+                <a:schemeClr val="tx1"/>
+              </a:solidFill>
+              <a:latin typeface="Courier New" panose="02070309020205020404" pitchFamily="49" charset="0"/>
+              <a:cs typeface="Courier New" panose="02070309020205020404" pitchFamily="49" charset="0"/>
+            </a:endParaRPr>
+          </a:p>
+        </p:txBody>
+      </p:sp>
+      <p:sp>
+        <p:nvSpPr>
+          <p:cNvPr id="19" name="向右箭號 18">
+            <a:extLst>
+              <a:ext uri="{FF2B5EF4-FFF2-40B4-BE49-F238E27FC236}">
+                <a16:creationId xmlns:a16="http://schemas.microsoft.com/office/drawing/2014/main" id="{80E14110-71DA-531C-D24B-7114AE170EA7}"/>
+              </a:ext>
+            </a:extLst>
+          </p:cNvPr>
+          <p:cNvSpPr/>
+          <p:nvPr/>
+        </p:nvSpPr>
+        <p:spPr>
+          <a:xfrm>
+            <a:off x="5433880" y="1344339"/>
+            <a:ext cx="1440000" cy="252000"/>
+          </a:xfrm>
+          <a:prstGeom prst="rightArrow">
+            <a:avLst/>
+          </a:prstGeom>
+        </p:spPr>
+        <p:style>
+          <a:lnRef idx="2">
+            <a:schemeClr val="accent1">
+              <a:shade val="15000"/>
+            </a:schemeClr>
+          </a:lnRef>
+          <a:fillRef idx="1">
+            <a:schemeClr val="accent1"/>
+          </a:fillRef>
+          <a:effectRef idx="0">
+            <a:schemeClr val="accent1"/>
+          </a:effectRef>
+          <a:fontRef idx="minor">
+            <a:schemeClr val="lt1"/>
+          </a:fontRef>
+        </p:style>
+        <p:txBody>
+          <a:bodyPr rtlCol="0" anchor="ctr"/>
+          <a:lstStyle/>
+          <a:p>
+            <a:pPr algn="ctr"/>
+            <a:endParaRPr kumimoji="1" lang="zh-TW" altLang="en-US" sz="1400" dirty="0">
+              <a:latin typeface="Courier New" panose="02070309020205020404" pitchFamily="49" charset="0"/>
+              <a:cs typeface="Courier New" panose="02070309020205020404" pitchFamily="49" charset="0"/>
+            </a:endParaRPr>
+          </a:p>
+        </p:txBody>
+      </p:sp>
+      <p:sp>
+        <p:nvSpPr>
+          <p:cNvPr id="2" name="矩形 1">
+            <a:extLst>
+              <a:ext uri="{FF2B5EF4-FFF2-40B4-BE49-F238E27FC236}">
+                <a16:creationId xmlns:a16="http://schemas.microsoft.com/office/drawing/2014/main" id="{58CEBE9D-7FFC-13C0-EDA8-BB1517F25E2E}"/>
+              </a:ext>
+            </a:extLst>
+          </p:cNvPr>
+          <p:cNvSpPr/>
+          <p:nvPr/>
+        </p:nvSpPr>
+        <p:spPr>
+          <a:xfrm>
+            <a:off x="2336888" y="2256022"/>
+            <a:ext cx="3062124" cy="1326628"/>
+          </a:xfrm>
+          <a:prstGeom prst="rect">
+            <a:avLst/>
+          </a:prstGeom>
+          <a:solidFill>
+            <a:schemeClr val="accent1"/>
+          </a:solidFill>
+        </p:spPr>
+        <p:style>
+          <a:lnRef idx="2">
+            <a:schemeClr val="accent1">
+              <a:shade val="15000"/>
+            </a:schemeClr>
+          </a:lnRef>
+          <a:fillRef idx="1">
+            <a:schemeClr val="accent1"/>
+          </a:fillRef>
+          <a:effectRef idx="0">
+            <a:schemeClr val="accent1"/>
+          </a:effectRef>
+          <a:fontRef idx="minor">
+            <a:schemeClr val="lt1"/>
+          </a:fontRef>
+        </p:style>
+        <p:txBody>
+          <a:bodyPr rtlCol="0" anchor="ctr"/>
+          <a:lstStyle/>
+          <a:p>
+            <a:pPr algn="ctr">
+              <a:spcAft>
+                <a:spcPts val="600"/>
+              </a:spcAft>
+            </a:pPr>
+            <a:r>
+              <a:rPr kumimoji="1" lang="en-US" altLang="zh-TW" sz="1400" b="1" dirty="0">
+                <a:solidFill>
+                  <a:schemeClr val="bg1"/>
+                </a:solidFill>
+                <a:latin typeface="Courier New" panose="02070309020205020404" pitchFamily="49" charset="0"/>
+                <a:cs typeface="Courier New" panose="02070309020205020404" pitchFamily="49" charset="0"/>
+              </a:rPr>
+              <a:t>Helper Methods</a:t>
+            </a:r>
+          </a:p>
+          <a:p>
+            <a:pPr marL="171450" indent="-171450">
+              <a:buFontTx/>
+              <a:buChar char="-"/>
+            </a:pPr>
+            <a:r>
+              <a:rPr kumimoji="1" lang="en-US" altLang="zh-TW" sz="1400" dirty="0">
+                <a:solidFill>
+                  <a:schemeClr val="bg1"/>
+                </a:solidFill>
+                <a:latin typeface="Courier New" panose="02070309020205020404" pitchFamily="49" charset="0"/>
+                <a:cs typeface="Courier New" panose="02070309020205020404" pitchFamily="49" charset="0"/>
+              </a:rPr>
+              <a:t>__</a:t>
+            </a:r>
+            <a:r>
+              <a:rPr kumimoji="1" lang="en-US" altLang="zh-TW" sz="1400" dirty="0" err="1">
+                <a:solidFill>
+                  <a:schemeClr val="bg1"/>
+                </a:solidFill>
+                <a:latin typeface="Courier New" panose="02070309020205020404" pitchFamily="49" charset="0"/>
+                <a:cs typeface="Courier New" panose="02070309020205020404" pitchFamily="49" charset="0"/>
+              </a:rPr>
+              <a:t>init</a:t>
+            </a:r>
+            <a:r>
+              <a:rPr kumimoji="1" lang="en-US" altLang="zh-TW" sz="1400" dirty="0">
+                <a:solidFill>
+                  <a:schemeClr val="bg1"/>
+                </a:solidFill>
+                <a:latin typeface="Courier New" panose="02070309020205020404" pitchFamily="49" charset="0"/>
+                <a:cs typeface="Courier New" panose="02070309020205020404" pitchFamily="49" charset="0"/>
+              </a:rPr>
+              <a:t>__()</a:t>
+            </a:r>
+          </a:p>
+          <a:p>
+            <a:pPr marL="171450" indent="-171450">
+              <a:buFontTx/>
+              <a:buChar char="-"/>
+            </a:pPr>
+            <a:r>
+              <a:rPr kumimoji="1" lang="en-US" altLang="zh-TW" sz="1400" dirty="0">
+                <a:solidFill>
+                  <a:schemeClr val="bg1"/>
+                </a:solidFill>
+                <a:latin typeface="Courier New" panose="02070309020205020404" pitchFamily="49" charset="0"/>
+                <a:cs typeface="Courier New" panose="02070309020205020404" pitchFamily="49" charset="0"/>
+              </a:rPr>
+              <a:t>__str__()</a:t>
+            </a:r>
+          </a:p>
+          <a:p>
+            <a:pPr marL="171450" indent="-171450">
+              <a:buFontTx/>
+              <a:buChar char="-"/>
+            </a:pPr>
+            <a:r>
+              <a:rPr kumimoji="1" lang="en-US" altLang="zh-TW" sz="1400" dirty="0">
+                <a:solidFill>
+                  <a:schemeClr val="bg1"/>
+                </a:solidFill>
+                <a:latin typeface="Courier New" panose="02070309020205020404" pitchFamily="49" charset="0"/>
+                <a:cs typeface="Courier New" panose="02070309020205020404" pitchFamily="49" charset="0"/>
+              </a:rPr>
+              <a:t>__</a:t>
+            </a:r>
+            <a:r>
+              <a:rPr kumimoji="1" lang="en-US" altLang="zh-TW" sz="1400" dirty="0" err="1">
+                <a:solidFill>
+                  <a:schemeClr val="bg1"/>
+                </a:solidFill>
+                <a:latin typeface="Courier New" panose="02070309020205020404" pitchFamily="49" charset="0"/>
+                <a:cs typeface="Courier New" panose="02070309020205020404" pitchFamily="49" charset="0"/>
+              </a:rPr>
+              <a:t>repr</a:t>
+            </a:r>
+            <a:r>
+              <a:rPr kumimoji="1" lang="en-US" altLang="zh-TW" sz="1400" dirty="0">
+                <a:solidFill>
+                  <a:schemeClr val="bg1"/>
+                </a:solidFill>
+                <a:latin typeface="Courier New" panose="02070309020205020404" pitchFamily="49" charset="0"/>
+                <a:cs typeface="Courier New" panose="02070309020205020404" pitchFamily="49" charset="0"/>
+              </a:rPr>
+              <a:t>__()</a:t>
+            </a:r>
+          </a:p>
+        </p:txBody>
+      </p:sp>
+      <p:grpSp>
+        <p:nvGrpSpPr>
+          <p:cNvPr id="25" name="群組 24">
+            <a:extLst>
+              <a:ext uri="{FF2B5EF4-FFF2-40B4-BE49-F238E27FC236}">
+                <a16:creationId xmlns:a16="http://schemas.microsoft.com/office/drawing/2014/main" id="{46376FA8-F2D8-737E-9EAC-2A66AFB9C865}"/>
+              </a:ext>
+            </a:extLst>
+          </p:cNvPr>
+          <p:cNvGrpSpPr/>
+          <p:nvPr/>
+        </p:nvGrpSpPr>
+        <p:grpSpPr>
+          <a:xfrm>
+            <a:off x="613041" y="947119"/>
+            <a:ext cx="1723847" cy="649220"/>
+            <a:chOff x="8006211" y="2168685"/>
+            <a:chExt cx="1723847" cy="649220"/>
+          </a:xfrm>
+        </p:grpSpPr>
+        <p:sp>
+          <p:nvSpPr>
+            <p:cNvPr id="23" name="向右箭號 22">
+              <a:extLst>
+                <a:ext uri="{FF2B5EF4-FFF2-40B4-BE49-F238E27FC236}">
+                  <a16:creationId xmlns:a16="http://schemas.microsoft.com/office/drawing/2014/main" id="{E5711DA6-4131-FCBF-1EFB-551B0EA5F183}"/>
+                </a:ext>
+              </a:extLst>
+            </p:cNvPr>
+            <p:cNvSpPr/>
+            <p:nvPr/>
+          </p:nvSpPr>
+          <p:spPr>
+            <a:xfrm>
+              <a:off x="8006211" y="2628588"/>
+              <a:ext cx="1723847" cy="189317"/>
+            </a:xfrm>
+            <a:prstGeom prst="rightArrow">
+              <a:avLst/>
+            </a:prstGeom>
+          </p:spPr>
+          <p:style>
+            <a:lnRef idx="2">
+              <a:schemeClr val="accent1">
+                <a:shade val="15000"/>
+              </a:schemeClr>
+            </a:lnRef>
+            <a:fillRef idx="1">
+              <a:schemeClr val="accent1"/>
+            </a:fillRef>
+            <a:effectRef idx="0">
+              <a:schemeClr val="accent1"/>
+            </a:effectRef>
+            <a:fontRef idx="minor">
+              <a:schemeClr val="lt1"/>
+            </a:fontRef>
+          </p:style>
+          <p:txBody>
+            <a:bodyPr rtlCol="0" anchor="ctr"/>
+            <a:lstStyle/>
+            <a:p>
+              <a:pPr algn="ctr"/>
+              <a:endParaRPr kumimoji="1" lang="zh-TW" altLang="en-US" sz="1400" dirty="0">
+                <a:latin typeface="Courier New" panose="02070309020205020404" pitchFamily="49" charset="0"/>
+                <a:cs typeface="Courier New" panose="02070309020205020404" pitchFamily="49" charset="0"/>
+              </a:endParaRPr>
+            </a:p>
+          </p:txBody>
+        </p:sp>
+        <p:sp>
+          <p:nvSpPr>
+            <p:cNvPr id="24" name="文字方塊 23">
+              <a:extLst>
+                <a:ext uri="{FF2B5EF4-FFF2-40B4-BE49-F238E27FC236}">
+                  <a16:creationId xmlns:a16="http://schemas.microsoft.com/office/drawing/2014/main" id="{7503BC2A-5775-F33F-C716-77D59BE4A990}"/>
+                </a:ext>
+              </a:extLst>
+            </p:cNvPr>
+            <p:cNvSpPr txBox="1"/>
+            <p:nvPr/>
+          </p:nvSpPr>
+          <p:spPr>
+            <a:xfrm>
+              <a:off x="8006211" y="2168685"/>
+              <a:ext cx="1575930" cy="523220"/>
+            </a:xfrm>
+            <a:prstGeom prst="rect">
+              <a:avLst/>
+            </a:prstGeom>
+            <a:noFill/>
+          </p:spPr>
+          <p:txBody>
+            <a:bodyPr wrap="square">
+              <a:spAutoFit/>
+            </a:bodyPr>
+            <a:lstStyle/>
+            <a:p>
+              <a:r>
+                <a:rPr kumimoji="1" lang="en-US" altLang="zh-TW" sz="1400" dirty="0" err="1">
+                  <a:latin typeface="Courier New" panose="02070309020205020404" pitchFamily="49" charset="0"/>
+                  <a:cs typeface="Courier New" panose="02070309020205020404" pitchFamily="49" charset="0"/>
+                </a:rPr>
+                <a:t>left.setter</a:t>
+              </a:r>
+              <a:endParaRPr kumimoji="1" lang="en-US" altLang="zh-TW" sz="1400" dirty="0">
+                <a:latin typeface="Courier New" panose="02070309020205020404" pitchFamily="49" charset="0"/>
+                <a:cs typeface="Courier New" panose="02070309020205020404" pitchFamily="49" charset="0"/>
+              </a:endParaRPr>
+            </a:p>
+            <a:p>
+              <a:r>
+                <a:rPr kumimoji="1" lang="en-US" altLang="zh-TW" sz="1400" dirty="0" err="1">
+                  <a:latin typeface="Courier New" panose="02070309020205020404" pitchFamily="49" charset="0"/>
+                  <a:cs typeface="Courier New" panose="02070309020205020404" pitchFamily="49" charset="0"/>
+                </a:rPr>
+                <a:t>right.setter</a:t>
+              </a:r>
+              <a:endParaRPr kumimoji="1" lang="zh-TW" altLang="en-US" sz="1400" dirty="0">
+                <a:latin typeface="Courier New" panose="02070309020205020404" pitchFamily="49" charset="0"/>
+                <a:cs typeface="Courier New" panose="02070309020205020404" pitchFamily="49" charset="0"/>
+              </a:endParaRPr>
+            </a:p>
+          </p:txBody>
+        </p:sp>
+      </p:grpSp>
+      <p:sp>
+        <p:nvSpPr>
+          <p:cNvPr id="6" name="文字方塊 5">
+            <a:extLst>
+              <a:ext uri="{FF2B5EF4-FFF2-40B4-BE49-F238E27FC236}">
+                <a16:creationId xmlns:a16="http://schemas.microsoft.com/office/drawing/2014/main" id="{4057BAD5-CF92-BC1C-4E65-F3FE9CC2B4CC}"/>
+              </a:ext>
+            </a:extLst>
+          </p:cNvPr>
+          <p:cNvSpPr txBox="1"/>
+          <p:nvPr/>
+        </p:nvSpPr>
+        <p:spPr>
+          <a:xfrm>
+            <a:off x="5365915" y="684473"/>
+            <a:ext cx="1575930" cy="738664"/>
+          </a:xfrm>
+          <a:prstGeom prst="rect">
+            <a:avLst/>
+          </a:prstGeom>
+          <a:noFill/>
+        </p:spPr>
+        <p:txBody>
+          <a:bodyPr wrap="square">
+            <a:spAutoFit/>
+          </a:bodyPr>
+          <a:lstStyle/>
+          <a:p>
+            <a:r>
+              <a:rPr kumimoji="1" lang="en-US" altLang="zh-TW" sz="1400" dirty="0">
+                <a:latin typeface="Courier New" panose="02070309020205020404" pitchFamily="49" charset="0"/>
+                <a:cs typeface="Courier New" panose="02070309020205020404" pitchFamily="49" charset="0"/>
+              </a:rPr>
+              <a:t>.data</a:t>
+            </a:r>
+          </a:p>
+          <a:p>
+            <a:r>
+              <a:rPr kumimoji="1" lang="en-US" altLang="zh-TW" sz="1400" dirty="0">
+                <a:latin typeface="Courier New" panose="02070309020205020404" pitchFamily="49" charset="0"/>
+                <a:cs typeface="Courier New" panose="02070309020205020404" pitchFamily="49" charset="0"/>
+              </a:rPr>
+              <a:t>.left</a:t>
+            </a:r>
+          </a:p>
+          <a:p>
+            <a:r>
+              <a:rPr kumimoji="1" lang="en-US" altLang="zh-TW" sz="1400" dirty="0">
+                <a:latin typeface="Courier New" panose="02070309020205020404" pitchFamily="49" charset="0"/>
+                <a:cs typeface="Courier New" panose="02070309020205020404" pitchFamily="49" charset="0"/>
+              </a:rPr>
+              <a:t>.right</a:t>
+            </a:r>
+            <a:endParaRPr kumimoji="1" lang="zh-TW" altLang="en-US" sz="1400" dirty="0">
+              <a:latin typeface="Courier New" panose="02070309020205020404" pitchFamily="49" charset="0"/>
+              <a:cs typeface="Courier New" panose="02070309020205020404" pitchFamily="49" charset="0"/>
+            </a:endParaRPr>
+          </a:p>
+        </p:txBody>
+      </p:sp>
+    </p:spTree>
+    <p:extLst>
+      <p:ext uri="{BB962C8B-B14F-4D97-AF65-F5344CB8AC3E}">
+        <p14:creationId xmlns:p14="http://schemas.microsoft.com/office/powerpoint/2010/main" val="2188363840"/>
       </p:ext>
     </p:extLst>
   </p:cSld>
